--- a/Dokumente/Disign Review(1).pptx
+++ b/Dokumente/Disign Review(1).pptx
@@ -239,7 +239,7 @@
           <a:p>
             <a:fld id="{D7F5481A-719F-40BF-80D1-29675F8EDBF7}" type="datetimeFigureOut">
               <a:rPr lang="de-DE" smtClean="0"/>
-              <a:t>13.01.2017</a:t>
+              <a:t>18.01.2017</a:t>
             </a:fld>
             <a:endParaRPr lang="de-DE"/>
           </a:p>
@@ -407,7 +407,7 @@
           <a:p>
             <a:fld id="{D7F5481A-719F-40BF-80D1-29675F8EDBF7}" type="datetimeFigureOut">
               <a:rPr lang="de-DE" smtClean="0"/>
-              <a:t>13.01.2017</a:t>
+              <a:t>18.01.2017</a:t>
             </a:fld>
             <a:endParaRPr lang="de-DE"/>
           </a:p>
@@ -585,7 +585,7 @@
           <a:p>
             <a:fld id="{D7F5481A-719F-40BF-80D1-29675F8EDBF7}" type="datetimeFigureOut">
               <a:rPr lang="de-DE" smtClean="0"/>
-              <a:t>13.01.2017</a:t>
+              <a:t>18.01.2017</a:t>
             </a:fld>
             <a:endParaRPr lang="de-DE"/>
           </a:p>
@@ -753,7 +753,7 @@
           <a:p>
             <a:fld id="{D7F5481A-719F-40BF-80D1-29675F8EDBF7}" type="datetimeFigureOut">
               <a:rPr lang="de-DE" smtClean="0"/>
-              <a:t>13.01.2017</a:t>
+              <a:t>18.01.2017</a:t>
             </a:fld>
             <a:endParaRPr lang="de-DE"/>
           </a:p>
@@ -998,7 +998,7 @@
           <a:p>
             <a:fld id="{D7F5481A-719F-40BF-80D1-29675F8EDBF7}" type="datetimeFigureOut">
               <a:rPr lang="de-DE" smtClean="0"/>
-              <a:t>13.01.2017</a:t>
+              <a:t>18.01.2017</a:t>
             </a:fld>
             <a:endParaRPr lang="de-DE"/>
           </a:p>
@@ -1227,7 +1227,7 @@
           <a:p>
             <a:fld id="{D7F5481A-719F-40BF-80D1-29675F8EDBF7}" type="datetimeFigureOut">
               <a:rPr lang="de-DE" smtClean="0"/>
-              <a:t>13.01.2017</a:t>
+              <a:t>18.01.2017</a:t>
             </a:fld>
             <a:endParaRPr lang="de-DE"/>
           </a:p>
@@ -1591,7 +1591,7 @@
           <a:p>
             <a:fld id="{D7F5481A-719F-40BF-80D1-29675F8EDBF7}" type="datetimeFigureOut">
               <a:rPr lang="de-DE" smtClean="0"/>
-              <a:t>13.01.2017</a:t>
+              <a:t>18.01.2017</a:t>
             </a:fld>
             <a:endParaRPr lang="de-DE"/>
           </a:p>
@@ -1708,7 +1708,7 @@
           <a:p>
             <a:fld id="{D7F5481A-719F-40BF-80D1-29675F8EDBF7}" type="datetimeFigureOut">
               <a:rPr lang="de-DE" smtClean="0"/>
-              <a:t>13.01.2017</a:t>
+              <a:t>18.01.2017</a:t>
             </a:fld>
             <a:endParaRPr lang="de-DE"/>
           </a:p>
@@ -1803,7 +1803,7 @@
           <a:p>
             <a:fld id="{D7F5481A-719F-40BF-80D1-29675F8EDBF7}" type="datetimeFigureOut">
               <a:rPr lang="de-DE" smtClean="0"/>
-              <a:t>13.01.2017</a:t>
+              <a:t>18.01.2017</a:t>
             </a:fld>
             <a:endParaRPr lang="de-DE"/>
           </a:p>
@@ -2078,7 +2078,7 @@
           <a:p>
             <a:fld id="{D7F5481A-719F-40BF-80D1-29675F8EDBF7}" type="datetimeFigureOut">
               <a:rPr lang="de-DE" smtClean="0"/>
-              <a:t>13.01.2017</a:t>
+              <a:t>18.01.2017</a:t>
             </a:fld>
             <a:endParaRPr lang="de-DE"/>
           </a:p>
@@ -2330,7 +2330,7 @@
           <a:p>
             <a:fld id="{D7F5481A-719F-40BF-80D1-29675F8EDBF7}" type="datetimeFigureOut">
               <a:rPr lang="de-DE" smtClean="0"/>
-              <a:t>13.01.2017</a:t>
+              <a:t>18.01.2017</a:t>
             </a:fld>
             <a:endParaRPr lang="de-DE"/>
           </a:p>
@@ -2541,7 +2541,7 @@
           <a:p>
             <a:fld id="{D7F5481A-719F-40BF-80D1-29675F8EDBF7}" type="datetimeFigureOut">
               <a:rPr lang="de-DE" smtClean="0"/>
-              <a:t>13.01.2017</a:t>
+              <a:t>18.01.2017</a:t>
             </a:fld>
             <a:endParaRPr lang="de-DE"/>
           </a:p>
@@ -2998,7 +2998,11 @@
           <a:p>
             <a:r>
               <a:rPr lang="en-US" dirty="0"/>
-              <a:t>User:Jonathan Schnee,Lutz Wolf und Marc Stinebrunner</a:t>
+              <a:t>Jonathan Schnee,Lutz Wolf und </a:t>
+            </a:r>
+            <a:r>
+              <a:rPr lang="en-US"/>
+              <a:t>Marc Steinebrunner</a:t>
             </a:r>
             <a:endParaRPr lang="de-DE" dirty="0"/>
           </a:p>
